--- a/ppt 16-9/0845.愿像耶稣.pptx
+++ b/ppt 16-9/0845.愿像耶稣.pptx
@@ -5,7 +5,7 @@
     <p:sldMasterId id="2147483648" r:id="rId1"/>
   </p:sldMasterIdLst>
   <p:sldIdLst>
-    <p:sldId id="2140" r:id="rId2"/>
+    <p:sldId id="2141" r:id="rId2"/>
   </p:sldIdLst>
   <p:sldSz cx="12192000" cy="6858000"/>
   <p:notesSz cx="6858000" cy="9144000"/>
@@ -129,7 +129,7 @@
           <p:cNvPr id="2" name="标题 1">
             <a:extLst>
               <a:ext uri="{FF2B5EF4-FFF2-40B4-BE49-F238E27FC236}">
-                <a16:creationId xmlns:a16="http://schemas.microsoft.com/office/drawing/2014/main" id="{139DFE51-86A7-8637-1F35-6DA8C828FE55}"/>
+                <a16:creationId xmlns:a16="http://schemas.microsoft.com/office/drawing/2014/main" id="{CAEFB660-0990-4F69-3AFB-19FD05729AE9}"/>
               </a:ext>
             </a:extLst>
           </p:cNvPr>
@@ -166,7 +166,7 @@
           <p:cNvPr id="3" name="副标题 2">
             <a:extLst>
               <a:ext uri="{FF2B5EF4-FFF2-40B4-BE49-F238E27FC236}">
-                <a16:creationId xmlns:a16="http://schemas.microsoft.com/office/drawing/2014/main" id="{329ABBFE-31FA-455D-90B7-452E9710C91F}"/>
+                <a16:creationId xmlns:a16="http://schemas.microsoft.com/office/drawing/2014/main" id="{710A1DE1-283F-C02F-DE8C-0F0CE2D4CCC9}"/>
               </a:ext>
             </a:extLst>
           </p:cNvPr>
@@ -236,7 +236,7 @@
           <p:cNvPr id="4" name="日期占位符 3">
             <a:extLst>
               <a:ext uri="{FF2B5EF4-FFF2-40B4-BE49-F238E27FC236}">
-                <a16:creationId xmlns:a16="http://schemas.microsoft.com/office/drawing/2014/main" id="{075D237D-4B63-4DF2-EF47-1C2C8D9E12E1}"/>
+                <a16:creationId xmlns:a16="http://schemas.microsoft.com/office/drawing/2014/main" id="{73459D81-0A98-63CB-B87E-615A1315AACB}"/>
               </a:ext>
             </a:extLst>
           </p:cNvPr>
@@ -252,7 +252,7 @@
           <a:bodyPr/>
           <a:lstStyle/>
           <a:p>
-            <a:fld id="{F351D403-E1E2-4AAB-8814-5068F99AB580}" type="datetimeFigureOut">
+            <a:fld id="{E7659A9A-159D-4C3A-89A3-DB0A687DA5FE}" type="datetimeFigureOut">
               <a:rPr lang="zh-CN" altLang="en-US" smtClean="0"/>
               <a:t>2024/3/10</a:t>
             </a:fld>
@@ -265,7 +265,7 @@
           <p:cNvPr id="5" name="页脚占位符 4">
             <a:extLst>
               <a:ext uri="{FF2B5EF4-FFF2-40B4-BE49-F238E27FC236}">
-                <a16:creationId xmlns:a16="http://schemas.microsoft.com/office/drawing/2014/main" id="{E179DA3E-5954-FC11-C31D-CB1BC07C6671}"/>
+                <a16:creationId xmlns:a16="http://schemas.microsoft.com/office/drawing/2014/main" id="{F8BE5050-A0EB-65B4-5226-736BD5496B09}"/>
               </a:ext>
             </a:extLst>
           </p:cNvPr>
@@ -290,7 +290,7 @@
           <p:cNvPr id="6" name="灯片编号占位符 5">
             <a:extLst>
               <a:ext uri="{FF2B5EF4-FFF2-40B4-BE49-F238E27FC236}">
-                <a16:creationId xmlns:a16="http://schemas.microsoft.com/office/drawing/2014/main" id="{9FF92F8F-C219-637D-95D6-069FB6171284}"/>
+                <a16:creationId xmlns:a16="http://schemas.microsoft.com/office/drawing/2014/main" id="{EA7720A8-ED50-C3A0-AAF5-51BD30204890}"/>
               </a:ext>
             </a:extLst>
           </p:cNvPr>
@@ -306,7 +306,7 @@
           <a:bodyPr/>
           <a:lstStyle/>
           <a:p>
-            <a:fld id="{E7184921-20DF-42A5-8761-3F4A8B56F1F8}" type="slidenum">
+            <a:fld id="{36059368-E76A-4940-B80A-627E54B07033}" type="slidenum">
               <a:rPr lang="zh-CN" altLang="en-US" smtClean="0"/>
               <a:t>‹#›</a:t>
             </a:fld>
@@ -317,7 +317,7 @@
     </p:spTree>
     <p:extLst>
       <p:ext uri="{BB962C8B-B14F-4D97-AF65-F5344CB8AC3E}">
-        <p14:creationId xmlns:p14="http://schemas.microsoft.com/office/powerpoint/2010/main" val="1097225978"/>
+        <p14:creationId xmlns:p14="http://schemas.microsoft.com/office/powerpoint/2010/main" val="1021730182"/>
       </p:ext>
     </p:extLst>
   </p:cSld>
@@ -349,7 +349,7 @@
           <p:cNvPr id="2" name="标题 1">
             <a:extLst>
               <a:ext uri="{FF2B5EF4-FFF2-40B4-BE49-F238E27FC236}">
-                <a16:creationId xmlns:a16="http://schemas.microsoft.com/office/drawing/2014/main" id="{D35F043F-675C-51BA-1A1F-408B16E61C1E}"/>
+                <a16:creationId xmlns:a16="http://schemas.microsoft.com/office/drawing/2014/main" id="{E420C07D-FE3F-A1C7-B517-7E036842B718}"/>
               </a:ext>
             </a:extLst>
           </p:cNvPr>
@@ -377,7 +377,7 @@
           <p:cNvPr id="3" name="竖排文字占位符 2">
             <a:extLst>
               <a:ext uri="{FF2B5EF4-FFF2-40B4-BE49-F238E27FC236}">
-                <a16:creationId xmlns:a16="http://schemas.microsoft.com/office/drawing/2014/main" id="{9C6686CF-941E-EC19-B269-DD46F2BEC987}"/>
+                <a16:creationId xmlns:a16="http://schemas.microsoft.com/office/drawing/2014/main" id="{F647A3F4-67F9-4577-944C-CE09C7FBFB76}"/>
               </a:ext>
             </a:extLst>
           </p:cNvPr>
@@ -434,7 +434,7 @@
           <p:cNvPr id="4" name="日期占位符 3">
             <a:extLst>
               <a:ext uri="{FF2B5EF4-FFF2-40B4-BE49-F238E27FC236}">
-                <a16:creationId xmlns:a16="http://schemas.microsoft.com/office/drawing/2014/main" id="{96EB8AE3-2627-AB45-0906-E65ACB9E01FE}"/>
+                <a16:creationId xmlns:a16="http://schemas.microsoft.com/office/drawing/2014/main" id="{95F55872-8DBC-BF6A-18A6-57A2A7DC65C1}"/>
               </a:ext>
             </a:extLst>
           </p:cNvPr>
@@ -450,7 +450,7 @@
           <a:bodyPr/>
           <a:lstStyle/>
           <a:p>
-            <a:fld id="{F351D403-E1E2-4AAB-8814-5068F99AB580}" type="datetimeFigureOut">
+            <a:fld id="{E7659A9A-159D-4C3A-89A3-DB0A687DA5FE}" type="datetimeFigureOut">
               <a:rPr lang="zh-CN" altLang="en-US" smtClean="0"/>
               <a:t>2024/3/10</a:t>
             </a:fld>
@@ -463,7 +463,7 @@
           <p:cNvPr id="5" name="页脚占位符 4">
             <a:extLst>
               <a:ext uri="{FF2B5EF4-FFF2-40B4-BE49-F238E27FC236}">
-                <a16:creationId xmlns:a16="http://schemas.microsoft.com/office/drawing/2014/main" id="{B01CE8D3-8084-E0F9-D972-8E2254A27F45}"/>
+                <a16:creationId xmlns:a16="http://schemas.microsoft.com/office/drawing/2014/main" id="{C0EA0D37-5046-99CC-AF33-09DA624F1183}"/>
               </a:ext>
             </a:extLst>
           </p:cNvPr>
@@ -488,7 +488,7 @@
           <p:cNvPr id="6" name="灯片编号占位符 5">
             <a:extLst>
               <a:ext uri="{FF2B5EF4-FFF2-40B4-BE49-F238E27FC236}">
-                <a16:creationId xmlns:a16="http://schemas.microsoft.com/office/drawing/2014/main" id="{4D28D0CB-C1B5-206D-A223-A054D3B76814}"/>
+                <a16:creationId xmlns:a16="http://schemas.microsoft.com/office/drawing/2014/main" id="{A69E0680-2BC6-32AE-AB35-45D57729A5BC}"/>
               </a:ext>
             </a:extLst>
           </p:cNvPr>
@@ -504,7 +504,7 @@
           <a:bodyPr/>
           <a:lstStyle/>
           <a:p>
-            <a:fld id="{E7184921-20DF-42A5-8761-3F4A8B56F1F8}" type="slidenum">
+            <a:fld id="{36059368-E76A-4940-B80A-627E54B07033}" type="slidenum">
               <a:rPr lang="zh-CN" altLang="en-US" smtClean="0"/>
               <a:t>‹#›</a:t>
             </a:fld>
@@ -515,7 +515,7 @@
     </p:spTree>
     <p:extLst>
       <p:ext uri="{BB962C8B-B14F-4D97-AF65-F5344CB8AC3E}">
-        <p14:creationId xmlns:p14="http://schemas.microsoft.com/office/powerpoint/2010/main" val="1926637347"/>
+        <p14:creationId xmlns:p14="http://schemas.microsoft.com/office/powerpoint/2010/main" val="365180749"/>
       </p:ext>
     </p:extLst>
   </p:cSld>
@@ -547,7 +547,7 @@
           <p:cNvPr id="2" name="竖排标题 1">
             <a:extLst>
               <a:ext uri="{FF2B5EF4-FFF2-40B4-BE49-F238E27FC236}">
-                <a16:creationId xmlns:a16="http://schemas.microsoft.com/office/drawing/2014/main" id="{60A0246A-DE82-FD74-EB25-3CCF111AC375}"/>
+                <a16:creationId xmlns:a16="http://schemas.microsoft.com/office/drawing/2014/main" id="{676884FB-BED6-AC5E-0E27-8FAC1699A3F1}"/>
               </a:ext>
             </a:extLst>
           </p:cNvPr>
@@ -580,7 +580,7 @@
           <p:cNvPr id="3" name="竖排文字占位符 2">
             <a:extLst>
               <a:ext uri="{FF2B5EF4-FFF2-40B4-BE49-F238E27FC236}">
-                <a16:creationId xmlns:a16="http://schemas.microsoft.com/office/drawing/2014/main" id="{80FCE421-2ED3-B377-9734-2B2281EE5DBF}"/>
+                <a16:creationId xmlns:a16="http://schemas.microsoft.com/office/drawing/2014/main" id="{3EBF9BA6-82C3-7439-2184-28730F287356}"/>
               </a:ext>
             </a:extLst>
           </p:cNvPr>
@@ -642,7 +642,7 @@
           <p:cNvPr id="4" name="日期占位符 3">
             <a:extLst>
               <a:ext uri="{FF2B5EF4-FFF2-40B4-BE49-F238E27FC236}">
-                <a16:creationId xmlns:a16="http://schemas.microsoft.com/office/drawing/2014/main" id="{D00A6A6C-33AA-E9BA-7DF1-0F8D88137C6F}"/>
+                <a16:creationId xmlns:a16="http://schemas.microsoft.com/office/drawing/2014/main" id="{72649AF7-2011-AC4E-C838-DA9BC8333084}"/>
               </a:ext>
             </a:extLst>
           </p:cNvPr>
@@ -658,7 +658,7 @@
           <a:bodyPr/>
           <a:lstStyle/>
           <a:p>
-            <a:fld id="{F351D403-E1E2-4AAB-8814-5068F99AB580}" type="datetimeFigureOut">
+            <a:fld id="{E7659A9A-159D-4C3A-89A3-DB0A687DA5FE}" type="datetimeFigureOut">
               <a:rPr lang="zh-CN" altLang="en-US" smtClean="0"/>
               <a:t>2024/3/10</a:t>
             </a:fld>
@@ -671,7 +671,7 @@
           <p:cNvPr id="5" name="页脚占位符 4">
             <a:extLst>
               <a:ext uri="{FF2B5EF4-FFF2-40B4-BE49-F238E27FC236}">
-                <a16:creationId xmlns:a16="http://schemas.microsoft.com/office/drawing/2014/main" id="{37A273CE-9B8C-530D-4EC4-A3EF2642BA10}"/>
+                <a16:creationId xmlns:a16="http://schemas.microsoft.com/office/drawing/2014/main" id="{14A7CC08-092A-1CD1-42EB-149039F4A013}"/>
               </a:ext>
             </a:extLst>
           </p:cNvPr>
@@ -696,7 +696,7 @@
           <p:cNvPr id="6" name="灯片编号占位符 5">
             <a:extLst>
               <a:ext uri="{FF2B5EF4-FFF2-40B4-BE49-F238E27FC236}">
-                <a16:creationId xmlns:a16="http://schemas.microsoft.com/office/drawing/2014/main" id="{24C76AF6-9C93-03F7-A81E-5262F04530C8}"/>
+                <a16:creationId xmlns:a16="http://schemas.microsoft.com/office/drawing/2014/main" id="{5E02BA60-8BF2-47D0-F5C8-387C4EFC9FA1}"/>
               </a:ext>
             </a:extLst>
           </p:cNvPr>
@@ -712,7 +712,7 @@
           <a:bodyPr/>
           <a:lstStyle/>
           <a:p>
-            <a:fld id="{E7184921-20DF-42A5-8761-3F4A8B56F1F8}" type="slidenum">
+            <a:fld id="{36059368-E76A-4940-B80A-627E54B07033}" type="slidenum">
               <a:rPr lang="zh-CN" altLang="en-US" smtClean="0"/>
               <a:t>‹#›</a:t>
             </a:fld>
@@ -723,7 +723,7 @@
     </p:spTree>
     <p:extLst>
       <p:ext uri="{BB962C8B-B14F-4D97-AF65-F5344CB8AC3E}">
-        <p14:creationId xmlns:p14="http://schemas.microsoft.com/office/powerpoint/2010/main" val="4046242942"/>
+        <p14:creationId xmlns:p14="http://schemas.microsoft.com/office/powerpoint/2010/main" val="3849338565"/>
       </p:ext>
     </p:extLst>
   </p:cSld>
@@ -755,7 +755,7 @@
           <p:cNvPr id="2" name="标题 1">
             <a:extLst>
               <a:ext uri="{FF2B5EF4-FFF2-40B4-BE49-F238E27FC236}">
-                <a16:creationId xmlns:a16="http://schemas.microsoft.com/office/drawing/2014/main" id="{272A7BAA-C47F-4C66-DCE5-39C4A5DE8D49}"/>
+                <a16:creationId xmlns:a16="http://schemas.microsoft.com/office/drawing/2014/main" id="{76DA45E7-61B3-644C-604A-E1264EB87632}"/>
               </a:ext>
             </a:extLst>
           </p:cNvPr>
@@ -783,7 +783,7 @@
           <p:cNvPr id="3" name="内容占位符 2">
             <a:extLst>
               <a:ext uri="{FF2B5EF4-FFF2-40B4-BE49-F238E27FC236}">
-                <a16:creationId xmlns:a16="http://schemas.microsoft.com/office/drawing/2014/main" id="{853CEDD1-DE74-1283-3B0C-C6248E6A99B1}"/>
+                <a16:creationId xmlns:a16="http://schemas.microsoft.com/office/drawing/2014/main" id="{C49E6768-AF8B-E552-D959-B6831A37424C}"/>
               </a:ext>
             </a:extLst>
           </p:cNvPr>
@@ -840,7 +840,7 @@
           <p:cNvPr id="4" name="日期占位符 3">
             <a:extLst>
               <a:ext uri="{FF2B5EF4-FFF2-40B4-BE49-F238E27FC236}">
-                <a16:creationId xmlns:a16="http://schemas.microsoft.com/office/drawing/2014/main" id="{6236DEEB-8D5D-1079-B58B-3CAA7F2E74AB}"/>
+                <a16:creationId xmlns:a16="http://schemas.microsoft.com/office/drawing/2014/main" id="{0FCB6AED-397D-5BE4-DB80-BBF4922C6F5E}"/>
               </a:ext>
             </a:extLst>
           </p:cNvPr>
@@ -856,7 +856,7 @@
           <a:bodyPr/>
           <a:lstStyle/>
           <a:p>
-            <a:fld id="{F351D403-E1E2-4AAB-8814-5068F99AB580}" type="datetimeFigureOut">
+            <a:fld id="{E7659A9A-159D-4C3A-89A3-DB0A687DA5FE}" type="datetimeFigureOut">
               <a:rPr lang="zh-CN" altLang="en-US" smtClean="0"/>
               <a:t>2024/3/10</a:t>
             </a:fld>
@@ -869,7 +869,7 @@
           <p:cNvPr id="5" name="页脚占位符 4">
             <a:extLst>
               <a:ext uri="{FF2B5EF4-FFF2-40B4-BE49-F238E27FC236}">
-                <a16:creationId xmlns:a16="http://schemas.microsoft.com/office/drawing/2014/main" id="{33002CB4-9CAE-CDD8-44E0-BF6383DC63F1}"/>
+                <a16:creationId xmlns:a16="http://schemas.microsoft.com/office/drawing/2014/main" id="{7809E55D-12B7-78C7-195E-74EED109B6ED}"/>
               </a:ext>
             </a:extLst>
           </p:cNvPr>
@@ -894,7 +894,7 @@
           <p:cNvPr id="6" name="灯片编号占位符 5">
             <a:extLst>
               <a:ext uri="{FF2B5EF4-FFF2-40B4-BE49-F238E27FC236}">
-                <a16:creationId xmlns:a16="http://schemas.microsoft.com/office/drawing/2014/main" id="{F8BB079F-1710-64E6-B817-D19A568C17EA}"/>
+                <a16:creationId xmlns:a16="http://schemas.microsoft.com/office/drawing/2014/main" id="{D1C74A2B-3842-5FA2-32B6-4B7429AB6FEE}"/>
               </a:ext>
             </a:extLst>
           </p:cNvPr>
@@ -910,7 +910,7 @@
           <a:bodyPr/>
           <a:lstStyle/>
           <a:p>
-            <a:fld id="{E7184921-20DF-42A5-8761-3F4A8B56F1F8}" type="slidenum">
+            <a:fld id="{36059368-E76A-4940-B80A-627E54B07033}" type="slidenum">
               <a:rPr lang="zh-CN" altLang="en-US" smtClean="0"/>
               <a:t>‹#›</a:t>
             </a:fld>
@@ -921,7 +921,7 @@
     </p:spTree>
     <p:extLst>
       <p:ext uri="{BB962C8B-B14F-4D97-AF65-F5344CB8AC3E}">
-        <p14:creationId xmlns:p14="http://schemas.microsoft.com/office/powerpoint/2010/main" val="2188369801"/>
+        <p14:creationId xmlns:p14="http://schemas.microsoft.com/office/powerpoint/2010/main" val="3470864571"/>
       </p:ext>
     </p:extLst>
   </p:cSld>
@@ -953,7 +953,7 @@
           <p:cNvPr id="2" name="标题 1">
             <a:extLst>
               <a:ext uri="{FF2B5EF4-FFF2-40B4-BE49-F238E27FC236}">
-                <a16:creationId xmlns:a16="http://schemas.microsoft.com/office/drawing/2014/main" id="{61D2A17B-A517-F804-8FFD-4B889731FB94}"/>
+                <a16:creationId xmlns:a16="http://schemas.microsoft.com/office/drawing/2014/main" id="{B2365EC3-26F2-FF92-CD63-577238A48AAF}"/>
               </a:ext>
             </a:extLst>
           </p:cNvPr>
@@ -990,7 +990,7 @@
           <p:cNvPr id="3" name="文本占位符 2">
             <a:extLst>
               <a:ext uri="{FF2B5EF4-FFF2-40B4-BE49-F238E27FC236}">
-                <a16:creationId xmlns:a16="http://schemas.microsoft.com/office/drawing/2014/main" id="{625A689D-6A33-F741-16B2-EC85C9883A52}"/>
+                <a16:creationId xmlns:a16="http://schemas.microsoft.com/office/drawing/2014/main" id="{59F0D278-DE1F-CE18-EF2A-123C1A101B21}"/>
               </a:ext>
             </a:extLst>
           </p:cNvPr>
@@ -1115,7 +1115,7 @@
           <p:cNvPr id="4" name="日期占位符 3">
             <a:extLst>
               <a:ext uri="{FF2B5EF4-FFF2-40B4-BE49-F238E27FC236}">
-                <a16:creationId xmlns:a16="http://schemas.microsoft.com/office/drawing/2014/main" id="{B975C5F4-AAFB-BDFC-FEE0-30CFBED175CE}"/>
+                <a16:creationId xmlns:a16="http://schemas.microsoft.com/office/drawing/2014/main" id="{3036AACE-0B5F-928C-BA8A-DA7F90EB0AEC}"/>
               </a:ext>
             </a:extLst>
           </p:cNvPr>
@@ -1131,7 +1131,7 @@
           <a:bodyPr/>
           <a:lstStyle/>
           <a:p>
-            <a:fld id="{F351D403-E1E2-4AAB-8814-5068F99AB580}" type="datetimeFigureOut">
+            <a:fld id="{E7659A9A-159D-4C3A-89A3-DB0A687DA5FE}" type="datetimeFigureOut">
               <a:rPr lang="zh-CN" altLang="en-US" smtClean="0"/>
               <a:t>2024/3/10</a:t>
             </a:fld>
@@ -1144,7 +1144,7 @@
           <p:cNvPr id="5" name="页脚占位符 4">
             <a:extLst>
               <a:ext uri="{FF2B5EF4-FFF2-40B4-BE49-F238E27FC236}">
-                <a16:creationId xmlns:a16="http://schemas.microsoft.com/office/drawing/2014/main" id="{B499222A-E8C6-E0AF-BAC8-F931661FD85A}"/>
+                <a16:creationId xmlns:a16="http://schemas.microsoft.com/office/drawing/2014/main" id="{3702CB3E-FC8A-AE3C-E028-090992954FB0}"/>
               </a:ext>
             </a:extLst>
           </p:cNvPr>
@@ -1169,7 +1169,7 @@
           <p:cNvPr id="6" name="灯片编号占位符 5">
             <a:extLst>
               <a:ext uri="{FF2B5EF4-FFF2-40B4-BE49-F238E27FC236}">
-                <a16:creationId xmlns:a16="http://schemas.microsoft.com/office/drawing/2014/main" id="{47A019D0-9EB0-75A8-4FD2-FB24554B342F}"/>
+                <a16:creationId xmlns:a16="http://schemas.microsoft.com/office/drawing/2014/main" id="{C74BBAF7-A37E-C92E-75BD-201BD11AD22A}"/>
               </a:ext>
             </a:extLst>
           </p:cNvPr>
@@ -1185,7 +1185,7 @@
           <a:bodyPr/>
           <a:lstStyle/>
           <a:p>
-            <a:fld id="{E7184921-20DF-42A5-8761-3F4A8B56F1F8}" type="slidenum">
+            <a:fld id="{36059368-E76A-4940-B80A-627E54B07033}" type="slidenum">
               <a:rPr lang="zh-CN" altLang="en-US" smtClean="0"/>
               <a:t>‹#›</a:t>
             </a:fld>
@@ -1196,7 +1196,7 @@
     </p:spTree>
     <p:extLst>
       <p:ext uri="{BB962C8B-B14F-4D97-AF65-F5344CB8AC3E}">
-        <p14:creationId xmlns:p14="http://schemas.microsoft.com/office/powerpoint/2010/main" val="2858672553"/>
+        <p14:creationId xmlns:p14="http://schemas.microsoft.com/office/powerpoint/2010/main" val="472237093"/>
       </p:ext>
     </p:extLst>
   </p:cSld>
@@ -1228,7 +1228,7 @@
           <p:cNvPr id="2" name="标题 1">
             <a:extLst>
               <a:ext uri="{FF2B5EF4-FFF2-40B4-BE49-F238E27FC236}">
-                <a16:creationId xmlns:a16="http://schemas.microsoft.com/office/drawing/2014/main" id="{67AEE08B-9AAA-8029-BB25-2C68B299872B}"/>
+                <a16:creationId xmlns:a16="http://schemas.microsoft.com/office/drawing/2014/main" id="{8AD0F6E2-1DEE-10CB-4691-62B092DAFCCD}"/>
               </a:ext>
             </a:extLst>
           </p:cNvPr>
@@ -1256,7 +1256,7 @@
           <p:cNvPr id="3" name="内容占位符 2">
             <a:extLst>
               <a:ext uri="{FF2B5EF4-FFF2-40B4-BE49-F238E27FC236}">
-                <a16:creationId xmlns:a16="http://schemas.microsoft.com/office/drawing/2014/main" id="{6F644966-31B4-647D-2159-EF80C0E60622}"/>
+                <a16:creationId xmlns:a16="http://schemas.microsoft.com/office/drawing/2014/main" id="{9AF1FD90-4FF8-F9F0-00C7-C1C6966605F3}"/>
               </a:ext>
             </a:extLst>
           </p:cNvPr>
@@ -1318,7 +1318,7 @@
           <p:cNvPr id="4" name="内容占位符 3">
             <a:extLst>
               <a:ext uri="{FF2B5EF4-FFF2-40B4-BE49-F238E27FC236}">
-                <a16:creationId xmlns:a16="http://schemas.microsoft.com/office/drawing/2014/main" id="{B0E8E1E5-DA87-4760-DF43-A27C2975F8D3}"/>
+                <a16:creationId xmlns:a16="http://schemas.microsoft.com/office/drawing/2014/main" id="{820CA591-5D09-8719-CFAA-6E7E41D3E873}"/>
               </a:ext>
             </a:extLst>
           </p:cNvPr>
@@ -1380,7 +1380,7 @@
           <p:cNvPr id="5" name="日期占位符 4">
             <a:extLst>
               <a:ext uri="{FF2B5EF4-FFF2-40B4-BE49-F238E27FC236}">
-                <a16:creationId xmlns:a16="http://schemas.microsoft.com/office/drawing/2014/main" id="{6FA6150D-9BA5-8022-E6D5-90DE834D7310}"/>
+                <a16:creationId xmlns:a16="http://schemas.microsoft.com/office/drawing/2014/main" id="{854E353B-1C9E-FEE0-3760-4FF381445D95}"/>
               </a:ext>
             </a:extLst>
           </p:cNvPr>
@@ -1396,7 +1396,7 @@
           <a:bodyPr/>
           <a:lstStyle/>
           <a:p>
-            <a:fld id="{F351D403-E1E2-4AAB-8814-5068F99AB580}" type="datetimeFigureOut">
+            <a:fld id="{E7659A9A-159D-4C3A-89A3-DB0A687DA5FE}" type="datetimeFigureOut">
               <a:rPr lang="zh-CN" altLang="en-US" smtClean="0"/>
               <a:t>2024/3/10</a:t>
             </a:fld>
@@ -1409,7 +1409,7 @@
           <p:cNvPr id="6" name="页脚占位符 5">
             <a:extLst>
               <a:ext uri="{FF2B5EF4-FFF2-40B4-BE49-F238E27FC236}">
-                <a16:creationId xmlns:a16="http://schemas.microsoft.com/office/drawing/2014/main" id="{5DE38822-2575-B573-F27F-F84B9A8C637A}"/>
+                <a16:creationId xmlns:a16="http://schemas.microsoft.com/office/drawing/2014/main" id="{D4B869E0-9A57-D8CF-817F-41599AE34FCD}"/>
               </a:ext>
             </a:extLst>
           </p:cNvPr>
@@ -1434,7 +1434,7 @@
           <p:cNvPr id="7" name="灯片编号占位符 6">
             <a:extLst>
               <a:ext uri="{FF2B5EF4-FFF2-40B4-BE49-F238E27FC236}">
-                <a16:creationId xmlns:a16="http://schemas.microsoft.com/office/drawing/2014/main" id="{F38A1B14-83BE-1B5D-ABE2-08CE9628187F}"/>
+                <a16:creationId xmlns:a16="http://schemas.microsoft.com/office/drawing/2014/main" id="{799FFE90-826D-6A50-5DE7-CE7977EE2E7F}"/>
               </a:ext>
             </a:extLst>
           </p:cNvPr>
@@ -1450,7 +1450,7 @@
           <a:bodyPr/>
           <a:lstStyle/>
           <a:p>
-            <a:fld id="{E7184921-20DF-42A5-8761-3F4A8B56F1F8}" type="slidenum">
+            <a:fld id="{36059368-E76A-4940-B80A-627E54B07033}" type="slidenum">
               <a:rPr lang="zh-CN" altLang="en-US" smtClean="0"/>
               <a:t>‹#›</a:t>
             </a:fld>
@@ -1461,7 +1461,7 @@
     </p:spTree>
     <p:extLst>
       <p:ext uri="{BB962C8B-B14F-4D97-AF65-F5344CB8AC3E}">
-        <p14:creationId xmlns:p14="http://schemas.microsoft.com/office/powerpoint/2010/main" val="2170059996"/>
+        <p14:creationId xmlns:p14="http://schemas.microsoft.com/office/powerpoint/2010/main" val="1310636420"/>
       </p:ext>
     </p:extLst>
   </p:cSld>
@@ -1493,7 +1493,7 @@
           <p:cNvPr id="2" name="标题 1">
             <a:extLst>
               <a:ext uri="{FF2B5EF4-FFF2-40B4-BE49-F238E27FC236}">
-                <a16:creationId xmlns:a16="http://schemas.microsoft.com/office/drawing/2014/main" id="{22C63550-DE27-7680-BD6E-C756AEE0BBB9}"/>
+                <a16:creationId xmlns:a16="http://schemas.microsoft.com/office/drawing/2014/main" id="{737ADC1C-A0CE-F9C2-AB28-0085A955A2B8}"/>
               </a:ext>
             </a:extLst>
           </p:cNvPr>
@@ -1526,7 +1526,7 @@
           <p:cNvPr id="3" name="文本占位符 2">
             <a:extLst>
               <a:ext uri="{FF2B5EF4-FFF2-40B4-BE49-F238E27FC236}">
-                <a16:creationId xmlns:a16="http://schemas.microsoft.com/office/drawing/2014/main" id="{9B93EBBA-BADC-CB1E-B8EC-8F07D549D518}"/>
+                <a16:creationId xmlns:a16="http://schemas.microsoft.com/office/drawing/2014/main" id="{0CC3C2BB-6D17-E515-B7F8-D76977C2BAEA}"/>
               </a:ext>
             </a:extLst>
           </p:cNvPr>
@@ -1597,7 +1597,7 @@
           <p:cNvPr id="4" name="内容占位符 3">
             <a:extLst>
               <a:ext uri="{FF2B5EF4-FFF2-40B4-BE49-F238E27FC236}">
-                <a16:creationId xmlns:a16="http://schemas.microsoft.com/office/drawing/2014/main" id="{C90FB9F2-836C-3498-A2DC-59808A980C8D}"/>
+                <a16:creationId xmlns:a16="http://schemas.microsoft.com/office/drawing/2014/main" id="{F8A9EB09-D6D9-3E43-5633-15A95568204B}"/>
               </a:ext>
             </a:extLst>
           </p:cNvPr>
@@ -1659,7 +1659,7 @@
           <p:cNvPr id="5" name="文本占位符 4">
             <a:extLst>
               <a:ext uri="{FF2B5EF4-FFF2-40B4-BE49-F238E27FC236}">
-                <a16:creationId xmlns:a16="http://schemas.microsoft.com/office/drawing/2014/main" id="{2561AB6B-CBB4-33F6-1402-D9145C0415DC}"/>
+                <a16:creationId xmlns:a16="http://schemas.microsoft.com/office/drawing/2014/main" id="{5BC14623-088C-B910-F9F6-0B94BAEB3436}"/>
               </a:ext>
             </a:extLst>
           </p:cNvPr>
@@ -1730,7 +1730,7 @@
           <p:cNvPr id="6" name="内容占位符 5">
             <a:extLst>
               <a:ext uri="{FF2B5EF4-FFF2-40B4-BE49-F238E27FC236}">
-                <a16:creationId xmlns:a16="http://schemas.microsoft.com/office/drawing/2014/main" id="{089C2FBA-0273-A0DF-0505-7024BE900CBC}"/>
+                <a16:creationId xmlns:a16="http://schemas.microsoft.com/office/drawing/2014/main" id="{7CD1A38C-9F83-DDB0-F15B-D359BBBAD00F}"/>
               </a:ext>
             </a:extLst>
           </p:cNvPr>
@@ -1792,7 +1792,7 @@
           <p:cNvPr id="7" name="日期占位符 6">
             <a:extLst>
               <a:ext uri="{FF2B5EF4-FFF2-40B4-BE49-F238E27FC236}">
-                <a16:creationId xmlns:a16="http://schemas.microsoft.com/office/drawing/2014/main" id="{E35E2678-4EE0-B7FC-D401-C44A9F5D1A40}"/>
+                <a16:creationId xmlns:a16="http://schemas.microsoft.com/office/drawing/2014/main" id="{69FBC1A4-9F4D-9AE3-EB22-419F792DC51E}"/>
               </a:ext>
             </a:extLst>
           </p:cNvPr>
@@ -1808,7 +1808,7 @@
           <a:bodyPr/>
           <a:lstStyle/>
           <a:p>
-            <a:fld id="{F351D403-E1E2-4AAB-8814-5068F99AB580}" type="datetimeFigureOut">
+            <a:fld id="{E7659A9A-159D-4C3A-89A3-DB0A687DA5FE}" type="datetimeFigureOut">
               <a:rPr lang="zh-CN" altLang="en-US" smtClean="0"/>
               <a:t>2024/3/10</a:t>
             </a:fld>
@@ -1821,7 +1821,7 @@
           <p:cNvPr id="8" name="页脚占位符 7">
             <a:extLst>
               <a:ext uri="{FF2B5EF4-FFF2-40B4-BE49-F238E27FC236}">
-                <a16:creationId xmlns:a16="http://schemas.microsoft.com/office/drawing/2014/main" id="{A0B3A61D-1825-E33D-8E01-743838613006}"/>
+                <a16:creationId xmlns:a16="http://schemas.microsoft.com/office/drawing/2014/main" id="{953AA934-19DD-A474-1042-5BE28C28F5CB}"/>
               </a:ext>
             </a:extLst>
           </p:cNvPr>
@@ -1846,7 +1846,7 @@
           <p:cNvPr id="9" name="灯片编号占位符 8">
             <a:extLst>
               <a:ext uri="{FF2B5EF4-FFF2-40B4-BE49-F238E27FC236}">
-                <a16:creationId xmlns:a16="http://schemas.microsoft.com/office/drawing/2014/main" id="{666B1CB1-8B08-A174-BA69-B9C30B15A9FD}"/>
+                <a16:creationId xmlns:a16="http://schemas.microsoft.com/office/drawing/2014/main" id="{2A3C053F-87F2-74C5-AA92-126452830B97}"/>
               </a:ext>
             </a:extLst>
           </p:cNvPr>
@@ -1862,7 +1862,7 @@
           <a:bodyPr/>
           <a:lstStyle/>
           <a:p>
-            <a:fld id="{E7184921-20DF-42A5-8761-3F4A8B56F1F8}" type="slidenum">
+            <a:fld id="{36059368-E76A-4940-B80A-627E54B07033}" type="slidenum">
               <a:rPr lang="zh-CN" altLang="en-US" smtClean="0"/>
               <a:t>‹#›</a:t>
             </a:fld>
@@ -1873,7 +1873,7 @@
     </p:spTree>
     <p:extLst>
       <p:ext uri="{BB962C8B-B14F-4D97-AF65-F5344CB8AC3E}">
-        <p14:creationId xmlns:p14="http://schemas.microsoft.com/office/powerpoint/2010/main" val="269442463"/>
+        <p14:creationId xmlns:p14="http://schemas.microsoft.com/office/powerpoint/2010/main" val="2513256844"/>
       </p:ext>
     </p:extLst>
   </p:cSld>
@@ -1905,7 +1905,7 @@
           <p:cNvPr id="2" name="标题 1">
             <a:extLst>
               <a:ext uri="{FF2B5EF4-FFF2-40B4-BE49-F238E27FC236}">
-                <a16:creationId xmlns:a16="http://schemas.microsoft.com/office/drawing/2014/main" id="{7CCC992F-7A12-A9F1-57C7-3D91C019FF4D}"/>
+                <a16:creationId xmlns:a16="http://schemas.microsoft.com/office/drawing/2014/main" id="{28DB1855-5D44-DB38-90E6-06AFF8FA4FD0}"/>
               </a:ext>
             </a:extLst>
           </p:cNvPr>
@@ -1933,7 +1933,7 @@
           <p:cNvPr id="3" name="日期占位符 2">
             <a:extLst>
               <a:ext uri="{FF2B5EF4-FFF2-40B4-BE49-F238E27FC236}">
-                <a16:creationId xmlns:a16="http://schemas.microsoft.com/office/drawing/2014/main" id="{2370C14D-C6BA-0574-B9BB-C8115F92C7CC}"/>
+                <a16:creationId xmlns:a16="http://schemas.microsoft.com/office/drawing/2014/main" id="{CB00DC9B-3708-F43C-A1F6-D2A8BB27343D}"/>
               </a:ext>
             </a:extLst>
           </p:cNvPr>
@@ -1949,7 +1949,7 @@
           <a:bodyPr/>
           <a:lstStyle/>
           <a:p>
-            <a:fld id="{F351D403-E1E2-4AAB-8814-5068F99AB580}" type="datetimeFigureOut">
+            <a:fld id="{E7659A9A-159D-4C3A-89A3-DB0A687DA5FE}" type="datetimeFigureOut">
               <a:rPr lang="zh-CN" altLang="en-US" smtClean="0"/>
               <a:t>2024/3/10</a:t>
             </a:fld>
@@ -1962,7 +1962,7 @@
           <p:cNvPr id="4" name="页脚占位符 3">
             <a:extLst>
               <a:ext uri="{FF2B5EF4-FFF2-40B4-BE49-F238E27FC236}">
-                <a16:creationId xmlns:a16="http://schemas.microsoft.com/office/drawing/2014/main" id="{6E8F6B8E-0541-CA76-5D41-5FD0BEE1D049}"/>
+                <a16:creationId xmlns:a16="http://schemas.microsoft.com/office/drawing/2014/main" id="{4505FF24-CEFA-8175-4665-F3C52F2697FA}"/>
               </a:ext>
             </a:extLst>
           </p:cNvPr>
@@ -1987,7 +1987,7 @@
           <p:cNvPr id="5" name="灯片编号占位符 4">
             <a:extLst>
               <a:ext uri="{FF2B5EF4-FFF2-40B4-BE49-F238E27FC236}">
-                <a16:creationId xmlns:a16="http://schemas.microsoft.com/office/drawing/2014/main" id="{894F2099-0DD4-7441-4279-727BBB285E2A}"/>
+                <a16:creationId xmlns:a16="http://schemas.microsoft.com/office/drawing/2014/main" id="{B302EEA5-9806-C078-D7A0-FB46BA0508E2}"/>
               </a:ext>
             </a:extLst>
           </p:cNvPr>
@@ -2003,7 +2003,7 @@
           <a:bodyPr/>
           <a:lstStyle/>
           <a:p>
-            <a:fld id="{E7184921-20DF-42A5-8761-3F4A8B56F1F8}" type="slidenum">
+            <a:fld id="{36059368-E76A-4940-B80A-627E54B07033}" type="slidenum">
               <a:rPr lang="zh-CN" altLang="en-US" smtClean="0"/>
               <a:t>‹#›</a:t>
             </a:fld>
@@ -2014,7 +2014,7 @@
     </p:spTree>
     <p:extLst>
       <p:ext uri="{BB962C8B-B14F-4D97-AF65-F5344CB8AC3E}">
-        <p14:creationId xmlns:p14="http://schemas.microsoft.com/office/powerpoint/2010/main" val="1869090601"/>
+        <p14:creationId xmlns:p14="http://schemas.microsoft.com/office/powerpoint/2010/main" val="2213763486"/>
       </p:ext>
     </p:extLst>
   </p:cSld>
@@ -2046,7 +2046,7 @@
           <p:cNvPr id="2" name="日期占位符 1">
             <a:extLst>
               <a:ext uri="{FF2B5EF4-FFF2-40B4-BE49-F238E27FC236}">
-                <a16:creationId xmlns:a16="http://schemas.microsoft.com/office/drawing/2014/main" id="{E25F7B86-E409-9580-364F-A921426A2512}"/>
+                <a16:creationId xmlns:a16="http://schemas.microsoft.com/office/drawing/2014/main" id="{8E786C97-1E31-C7AD-B382-8C3F16A7CE82}"/>
               </a:ext>
             </a:extLst>
           </p:cNvPr>
@@ -2062,7 +2062,7 @@
           <a:bodyPr/>
           <a:lstStyle/>
           <a:p>
-            <a:fld id="{F351D403-E1E2-4AAB-8814-5068F99AB580}" type="datetimeFigureOut">
+            <a:fld id="{E7659A9A-159D-4C3A-89A3-DB0A687DA5FE}" type="datetimeFigureOut">
               <a:rPr lang="zh-CN" altLang="en-US" smtClean="0"/>
               <a:t>2024/3/10</a:t>
             </a:fld>
@@ -2075,7 +2075,7 @@
           <p:cNvPr id="3" name="页脚占位符 2">
             <a:extLst>
               <a:ext uri="{FF2B5EF4-FFF2-40B4-BE49-F238E27FC236}">
-                <a16:creationId xmlns:a16="http://schemas.microsoft.com/office/drawing/2014/main" id="{6636FF64-858A-B36D-F042-ABB84E131E64}"/>
+                <a16:creationId xmlns:a16="http://schemas.microsoft.com/office/drawing/2014/main" id="{2C8FD50F-A16B-9A33-4CA0-246B48D6812D}"/>
               </a:ext>
             </a:extLst>
           </p:cNvPr>
@@ -2100,7 +2100,7 @@
           <p:cNvPr id="4" name="灯片编号占位符 3">
             <a:extLst>
               <a:ext uri="{FF2B5EF4-FFF2-40B4-BE49-F238E27FC236}">
-                <a16:creationId xmlns:a16="http://schemas.microsoft.com/office/drawing/2014/main" id="{AA00CD78-D92F-EBC4-D90D-24E5B120E869}"/>
+                <a16:creationId xmlns:a16="http://schemas.microsoft.com/office/drawing/2014/main" id="{8CAD72E4-4687-212A-5938-D8F2A2FA6050}"/>
               </a:ext>
             </a:extLst>
           </p:cNvPr>
@@ -2116,7 +2116,7 @@
           <a:bodyPr/>
           <a:lstStyle/>
           <a:p>
-            <a:fld id="{E7184921-20DF-42A5-8761-3F4A8B56F1F8}" type="slidenum">
+            <a:fld id="{36059368-E76A-4940-B80A-627E54B07033}" type="slidenum">
               <a:rPr lang="zh-CN" altLang="en-US" smtClean="0"/>
               <a:t>‹#›</a:t>
             </a:fld>
@@ -2127,7 +2127,7 @@
     </p:spTree>
     <p:extLst>
       <p:ext uri="{BB962C8B-B14F-4D97-AF65-F5344CB8AC3E}">
-        <p14:creationId xmlns:p14="http://schemas.microsoft.com/office/powerpoint/2010/main" val="1318298331"/>
+        <p14:creationId xmlns:p14="http://schemas.microsoft.com/office/powerpoint/2010/main" val="293462574"/>
       </p:ext>
     </p:extLst>
   </p:cSld>
@@ -2159,7 +2159,7 @@
           <p:cNvPr id="2" name="标题 1">
             <a:extLst>
               <a:ext uri="{FF2B5EF4-FFF2-40B4-BE49-F238E27FC236}">
-                <a16:creationId xmlns:a16="http://schemas.microsoft.com/office/drawing/2014/main" id="{B4D22BDC-3073-E191-1F9A-70F493B1B067}"/>
+                <a16:creationId xmlns:a16="http://schemas.microsoft.com/office/drawing/2014/main" id="{B784B169-4FA6-0186-EEBC-2C834AE524CB}"/>
               </a:ext>
             </a:extLst>
           </p:cNvPr>
@@ -2196,7 +2196,7 @@
           <p:cNvPr id="3" name="内容占位符 2">
             <a:extLst>
               <a:ext uri="{FF2B5EF4-FFF2-40B4-BE49-F238E27FC236}">
-                <a16:creationId xmlns:a16="http://schemas.microsoft.com/office/drawing/2014/main" id="{C6E9231E-6F93-1FB9-2CDD-6C737E24B1CC}"/>
+                <a16:creationId xmlns:a16="http://schemas.microsoft.com/office/drawing/2014/main" id="{667A3DC2-5D8C-56D2-310F-2A487AA134F3}"/>
               </a:ext>
             </a:extLst>
           </p:cNvPr>
@@ -2286,7 +2286,7 @@
           <p:cNvPr id="4" name="文本占位符 3">
             <a:extLst>
               <a:ext uri="{FF2B5EF4-FFF2-40B4-BE49-F238E27FC236}">
-                <a16:creationId xmlns:a16="http://schemas.microsoft.com/office/drawing/2014/main" id="{C5A743D9-F187-A31B-0850-C483D8BD44FE}"/>
+                <a16:creationId xmlns:a16="http://schemas.microsoft.com/office/drawing/2014/main" id="{E663941A-D813-612E-FD86-A6931D523DC5}"/>
               </a:ext>
             </a:extLst>
           </p:cNvPr>
@@ -2357,7 +2357,7 @@
           <p:cNvPr id="5" name="日期占位符 4">
             <a:extLst>
               <a:ext uri="{FF2B5EF4-FFF2-40B4-BE49-F238E27FC236}">
-                <a16:creationId xmlns:a16="http://schemas.microsoft.com/office/drawing/2014/main" id="{D58142E7-B67F-4A84-DE53-01D07DF44CA3}"/>
+                <a16:creationId xmlns:a16="http://schemas.microsoft.com/office/drawing/2014/main" id="{10447E52-7012-4335-3998-B93D11BC2AF4}"/>
               </a:ext>
             </a:extLst>
           </p:cNvPr>
@@ -2373,7 +2373,7 @@
           <a:bodyPr/>
           <a:lstStyle/>
           <a:p>
-            <a:fld id="{F351D403-E1E2-4AAB-8814-5068F99AB580}" type="datetimeFigureOut">
+            <a:fld id="{E7659A9A-159D-4C3A-89A3-DB0A687DA5FE}" type="datetimeFigureOut">
               <a:rPr lang="zh-CN" altLang="en-US" smtClean="0"/>
               <a:t>2024/3/10</a:t>
             </a:fld>
@@ -2386,7 +2386,7 @@
           <p:cNvPr id="6" name="页脚占位符 5">
             <a:extLst>
               <a:ext uri="{FF2B5EF4-FFF2-40B4-BE49-F238E27FC236}">
-                <a16:creationId xmlns:a16="http://schemas.microsoft.com/office/drawing/2014/main" id="{FB10781A-2B2F-DAE8-5A58-F2E24E3B2EC1}"/>
+                <a16:creationId xmlns:a16="http://schemas.microsoft.com/office/drawing/2014/main" id="{1FF5E253-4E10-EC59-C90B-2FB1FA72B2EF}"/>
               </a:ext>
             </a:extLst>
           </p:cNvPr>
@@ -2411,7 +2411,7 @@
           <p:cNvPr id="7" name="灯片编号占位符 6">
             <a:extLst>
               <a:ext uri="{FF2B5EF4-FFF2-40B4-BE49-F238E27FC236}">
-                <a16:creationId xmlns:a16="http://schemas.microsoft.com/office/drawing/2014/main" id="{9BD336C7-1B6D-F66B-2C2A-9C625820CDD1}"/>
+                <a16:creationId xmlns:a16="http://schemas.microsoft.com/office/drawing/2014/main" id="{7C8CEC67-9913-D798-AB03-F718223C370E}"/>
               </a:ext>
             </a:extLst>
           </p:cNvPr>
@@ -2427,7 +2427,7 @@
           <a:bodyPr/>
           <a:lstStyle/>
           <a:p>
-            <a:fld id="{E7184921-20DF-42A5-8761-3F4A8B56F1F8}" type="slidenum">
+            <a:fld id="{36059368-E76A-4940-B80A-627E54B07033}" type="slidenum">
               <a:rPr lang="zh-CN" altLang="en-US" smtClean="0"/>
               <a:t>‹#›</a:t>
             </a:fld>
@@ -2438,7 +2438,7 @@
     </p:spTree>
     <p:extLst>
       <p:ext uri="{BB962C8B-B14F-4D97-AF65-F5344CB8AC3E}">
-        <p14:creationId xmlns:p14="http://schemas.microsoft.com/office/powerpoint/2010/main" val="3941801776"/>
+        <p14:creationId xmlns:p14="http://schemas.microsoft.com/office/powerpoint/2010/main" val="758299964"/>
       </p:ext>
     </p:extLst>
   </p:cSld>
@@ -2470,7 +2470,7 @@
           <p:cNvPr id="2" name="标题 1">
             <a:extLst>
               <a:ext uri="{FF2B5EF4-FFF2-40B4-BE49-F238E27FC236}">
-                <a16:creationId xmlns:a16="http://schemas.microsoft.com/office/drawing/2014/main" id="{AF47402E-3F3C-4199-74CC-CA042B1E11F3}"/>
+                <a16:creationId xmlns:a16="http://schemas.microsoft.com/office/drawing/2014/main" id="{A98CB2C0-DB06-B955-7062-9014FBAF23C8}"/>
               </a:ext>
             </a:extLst>
           </p:cNvPr>
@@ -2507,7 +2507,7 @@
           <p:cNvPr id="3" name="图片占位符 2">
             <a:extLst>
               <a:ext uri="{FF2B5EF4-FFF2-40B4-BE49-F238E27FC236}">
-                <a16:creationId xmlns:a16="http://schemas.microsoft.com/office/drawing/2014/main" id="{628254E4-DB0B-682F-5BC9-990E6730DE5F}"/>
+                <a16:creationId xmlns:a16="http://schemas.microsoft.com/office/drawing/2014/main" id="{25B42B22-8228-AF9D-B362-4DF269C7F9C1}"/>
               </a:ext>
             </a:extLst>
           </p:cNvPr>
@@ -2574,7 +2574,7 @@
           <p:cNvPr id="4" name="文本占位符 3">
             <a:extLst>
               <a:ext uri="{FF2B5EF4-FFF2-40B4-BE49-F238E27FC236}">
-                <a16:creationId xmlns:a16="http://schemas.microsoft.com/office/drawing/2014/main" id="{95278FC5-5A63-9437-4552-14E846A6A3AB}"/>
+                <a16:creationId xmlns:a16="http://schemas.microsoft.com/office/drawing/2014/main" id="{3E95ED51-D05B-910C-F130-7D00DD3F47FA}"/>
               </a:ext>
             </a:extLst>
           </p:cNvPr>
@@ -2645,7 +2645,7 @@
           <p:cNvPr id="5" name="日期占位符 4">
             <a:extLst>
               <a:ext uri="{FF2B5EF4-FFF2-40B4-BE49-F238E27FC236}">
-                <a16:creationId xmlns:a16="http://schemas.microsoft.com/office/drawing/2014/main" id="{89B929F3-C54A-E993-2051-6244A750A359}"/>
+                <a16:creationId xmlns:a16="http://schemas.microsoft.com/office/drawing/2014/main" id="{4B60D657-09A4-1340-3DDD-5AB750BD4FE7}"/>
               </a:ext>
             </a:extLst>
           </p:cNvPr>
@@ -2661,7 +2661,7 @@
           <a:bodyPr/>
           <a:lstStyle/>
           <a:p>
-            <a:fld id="{F351D403-E1E2-4AAB-8814-5068F99AB580}" type="datetimeFigureOut">
+            <a:fld id="{E7659A9A-159D-4C3A-89A3-DB0A687DA5FE}" type="datetimeFigureOut">
               <a:rPr lang="zh-CN" altLang="en-US" smtClean="0"/>
               <a:t>2024/3/10</a:t>
             </a:fld>
@@ -2674,7 +2674,7 @@
           <p:cNvPr id="6" name="页脚占位符 5">
             <a:extLst>
               <a:ext uri="{FF2B5EF4-FFF2-40B4-BE49-F238E27FC236}">
-                <a16:creationId xmlns:a16="http://schemas.microsoft.com/office/drawing/2014/main" id="{A35BF49B-47F9-758B-FC99-57E77F3DADD7}"/>
+                <a16:creationId xmlns:a16="http://schemas.microsoft.com/office/drawing/2014/main" id="{838BC11C-1845-0C9E-ED2E-30C68D714600}"/>
               </a:ext>
             </a:extLst>
           </p:cNvPr>
@@ -2699,7 +2699,7 @@
           <p:cNvPr id="7" name="灯片编号占位符 6">
             <a:extLst>
               <a:ext uri="{FF2B5EF4-FFF2-40B4-BE49-F238E27FC236}">
-                <a16:creationId xmlns:a16="http://schemas.microsoft.com/office/drawing/2014/main" id="{E3579974-E57D-A68F-D009-3DF4C44AA45F}"/>
+                <a16:creationId xmlns:a16="http://schemas.microsoft.com/office/drawing/2014/main" id="{1BE9BF14-E3A4-6CEF-BD28-16FB3AB30119}"/>
               </a:ext>
             </a:extLst>
           </p:cNvPr>
@@ -2715,7 +2715,7 @@
           <a:bodyPr/>
           <a:lstStyle/>
           <a:p>
-            <a:fld id="{E7184921-20DF-42A5-8761-3F4A8B56F1F8}" type="slidenum">
+            <a:fld id="{36059368-E76A-4940-B80A-627E54B07033}" type="slidenum">
               <a:rPr lang="zh-CN" altLang="en-US" smtClean="0"/>
               <a:t>‹#›</a:t>
             </a:fld>
@@ -2726,7 +2726,7 @@
     </p:spTree>
     <p:extLst>
       <p:ext uri="{BB962C8B-B14F-4D97-AF65-F5344CB8AC3E}">
-        <p14:creationId xmlns:p14="http://schemas.microsoft.com/office/powerpoint/2010/main" val="3492452811"/>
+        <p14:creationId xmlns:p14="http://schemas.microsoft.com/office/powerpoint/2010/main" val="1029217816"/>
       </p:ext>
     </p:extLst>
   </p:cSld>
@@ -2763,7 +2763,7 @@
           <p:cNvPr id="2" name="标题占位符 1">
             <a:extLst>
               <a:ext uri="{FF2B5EF4-FFF2-40B4-BE49-F238E27FC236}">
-                <a16:creationId xmlns:a16="http://schemas.microsoft.com/office/drawing/2014/main" id="{B95F508C-26AD-77A3-2863-C6A6122DEF92}"/>
+                <a16:creationId xmlns:a16="http://schemas.microsoft.com/office/drawing/2014/main" id="{2FBC3761-2F10-5751-3D3C-B8FF9F538FFF}"/>
               </a:ext>
             </a:extLst>
           </p:cNvPr>
@@ -2801,7 +2801,7 @@
           <p:cNvPr id="3" name="文本占位符 2">
             <a:extLst>
               <a:ext uri="{FF2B5EF4-FFF2-40B4-BE49-F238E27FC236}">
-                <a16:creationId xmlns:a16="http://schemas.microsoft.com/office/drawing/2014/main" id="{8B0765CE-8493-CDDB-AD6C-F2B28C1B4C80}"/>
+                <a16:creationId xmlns:a16="http://schemas.microsoft.com/office/drawing/2014/main" id="{EB5731AD-A3A6-63CF-CF4D-7F128525F0F9}"/>
               </a:ext>
             </a:extLst>
           </p:cNvPr>
@@ -2868,7 +2868,7 @@
           <p:cNvPr id="4" name="日期占位符 3">
             <a:extLst>
               <a:ext uri="{FF2B5EF4-FFF2-40B4-BE49-F238E27FC236}">
-                <a16:creationId xmlns:a16="http://schemas.microsoft.com/office/drawing/2014/main" id="{D4CBC3E5-4238-AFBA-48ED-F89C65A6B1E9}"/>
+                <a16:creationId xmlns:a16="http://schemas.microsoft.com/office/drawing/2014/main" id="{A93FF59A-1098-3E08-AAF2-87866ACE283C}"/>
               </a:ext>
             </a:extLst>
           </p:cNvPr>
@@ -2902,7 +2902,7 @@
             </a:lvl1pPr>
           </a:lstStyle>
           <a:p>
-            <a:fld id="{F351D403-E1E2-4AAB-8814-5068F99AB580}" type="datetimeFigureOut">
+            <a:fld id="{E7659A9A-159D-4C3A-89A3-DB0A687DA5FE}" type="datetimeFigureOut">
               <a:rPr lang="zh-CN" altLang="en-US" smtClean="0"/>
               <a:t>2024/3/10</a:t>
             </a:fld>
@@ -2915,7 +2915,7 @@
           <p:cNvPr id="5" name="页脚占位符 4">
             <a:extLst>
               <a:ext uri="{FF2B5EF4-FFF2-40B4-BE49-F238E27FC236}">
-                <a16:creationId xmlns:a16="http://schemas.microsoft.com/office/drawing/2014/main" id="{6BB15A39-979E-E909-6B63-704C23E4E3C8}"/>
+                <a16:creationId xmlns:a16="http://schemas.microsoft.com/office/drawing/2014/main" id="{9BBA77B1-B762-89E5-DE31-46DC8539B20D}"/>
               </a:ext>
             </a:extLst>
           </p:cNvPr>
@@ -2958,7 +2958,7 @@
           <p:cNvPr id="6" name="灯片编号占位符 5">
             <a:extLst>
               <a:ext uri="{FF2B5EF4-FFF2-40B4-BE49-F238E27FC236}">
-                <a16:creationId xmlns:a16="http://schemas.microsoft.com/office/drawing/2014/main" id="{611B377C-FB0A-391D-E17B-37014AB377CC}"/>
+                <a16:creationId xmlns:a16="http://schemas.microsoft.com/office/drawing/2014/main" id="{9FCE9A3A-78F3-8076-1649-C9DD5AE87170}"/>
               </a:ext>
             </a:extLst>
           </p:cNvPr>
@@ -2992,7 +2992,7 @@
             </a:lvl1pPr>
           </a:lstStyle>
           <a:p>
-            <a:fld id="{E7184921-20DF-42A5-8761-3F4A8B56F1F8}" type="slidenum">
+            <a:fld id="{36059368-E76A-4940-B80A-627E54B07033}" type="slidenum">
               <a:rPr lang="zh-CN" altLang="en-US" smtClean="0"/>
               <a:t>‹#›</a:t>
             </a:fld>
@@ -3003,7 +3003,7 @@
     </p:spTree>
     <p:extLst>
       <p:ext uri="{BB962C8B-B14F-4D97-AF65-F5344CB8AC3E}">
-        <p14:creationId xmlns:p14="http://schemas.microsoft.com/office/powerpoint/2010/main" val="3207673439"/>
+        <p14:creationId xmlns:p14="http://schemas.microsoft.com/office/powerpoint/2010/main" val="3948408889"/>
       </p:ext>
     </p:extLst>
   </p:cSld>
@@ -3323,7 +3323,7 @@
       </p:grpSpPr>
       <p:pic>
         <p:nvPicPr>
-          <p:cNvPr id="865282" name="Picture 2" descr="844"/>
+          <p:cNvPr id="866306" name="Picture 2" descr="845"/>
           <p:cNvPicPr>
             <a:picLocks noChangeAspect="1" noChangeArrowheads="1"/>
           </p:cNvPicPr>
@@ -3375,11 +3375,158 @@
           </a:extLst>
         </p:spPr>
       </p:pic>
+      <p:pic>
+        <p:nvPicPr>
+          <p:cNvPr id="867331" name="Picture 3" descr="845-2"/>
+          <p:cNvPicPr>
+            <a:picLocks noChangeAspect="1" noChangeArrowheads="1"/>
+          </p:cNvPicPr>
+          <p:nvPr/>
+        </p:nvPicPr>
+        <p:blipFill>
+          <a:blip r:embed="rId3">
+            <a:extLst>
+              <a:ext uri="{28A0092B-C50C-407E-A947-70E740481C1C}">
+                <a14:useLocalDpi xmlns:a14="http://schemas.microsoft.com/office/drawing/2010/main" val="0"/>
+              </a:ext>
+            </a:extLst>
+          </a:blip>
+          <a:srcRect/>
+          <a:stretch>
+            <a:fillRect/>
+          </a:stretch>
+        </p:blipFill>
+        <p:spPr bwMode="auto">
+          <a:xfrm>
+            <a:off x="1524000" y="0"/>
+            <a:ext cx="9144000" cy="6858000"/>
+          </a:xfrm>
+          <a:prstGeom prst="rect">
+            <a:avLst/>
+          </a:prstGeom>
+          <a:noFill/>
+          <a:ln>
+            <a:noFill/>
+          </a:ln>
+          <a:effectLst/>
+          <a:extLst>
+            <a:ext uri="{909E8E84-426E-40DD-AFC4-6F175D3DCCD1}">
+              <a14:hiddenFill xmlns:a14="http://schemas.microsoft.com/office/drawing/2010/main">
+                <a:solidFill>
+                  <a:srgbClr val="FFFFFF"/>
+                </a:solidFill>
+              </a14:hiddenFill>
+            </a:ext>
+            <a:ext uri="{91240B29-F687-4F45-9708-019B960494DF}">
+              <a14:hiddenLine xmlns:a14="http://schemas.microsoft.com/office/drawing/2010/main" w="9525">
+                <a:solidFill>
+                  <a:srgbClr val="000000"/>
+                </a:solidFill>
+                <a:miter lim="800000"/>
+                <a:headEnd/>
+                <a:tailEnd/>
+              </a14:hiddenLine>
+            </a:ext>
+            <a:ext uri="{AF507438-7753-43E0-B8FC-AC1667EBCBE1}">
+              <a14:hiddenEffects xmlns:a14="http://schemas.microsoft.com/office/drawing/2010/main">
+                <a:effectLst>
+                  <a:outerShdw dist="35921" dir="2700000" algn="ctr" rotWithShape="0">
+                    <a:srgbClr val="808080"/>
+                  </a:outerShdw>
+                </a:effectLst>
+              </a14:hiddenEffects>
+            </a:ext>
+          </a:extLst>
+        </p:spPr>
+      </p:pic>
     </p:spTree>
   </p:cSld>
   <p:clrMapOvr>
     <a:masterClrMapping/>
   </p:clrMapOvr>
+  <p:timing>
+    <p:tnLst>
+      <p:par>
+        <p:cTn id="1" dur="indefinite" restart="never" nodeType="tmRoot">
+          <p:childTnLst>
+            <p:seq concurrent="1" nextAc="seek">
+              <p:cTn id="2" dur="indefinite" nodeType="mainSeq">
+                <p:childTnLst>
+                  <p:par>
+                    <p:cTn id="3" fill="hold" nodeType="clickPar">
+                      <p:stCondLst>
+                        <p:cond delay="indefinite"/>
+                      </p:stCondLst>
+                      <p:childTnLst>
+                        <p:par>
+                          <p:cTn id="4" fill="hold" nodeType="withGroup">
+                            <p:stCondLst>
+                              <p:cond delay="0"/>
+                            </p:stCondLst>
+                            <p:childTnLst>
+                              <p:par>
+                                <p:cTn id="5" presetID="10" presetClass="entr" presetSubtype="0" fill="hold" nodeType="clickEffect">
+                                  <p:stCondLst>
+                                    <p:cond delay="0"/>
+                                  </p:stCondLst>
+                                  <p:childTnLst>
+                                    <p:set>
+                                      <p:cBhvr>
+                                        <p:cTn id="6" dur="1" fill="hold">
+                                          <p:stCondLst>
+                                            <p:cond delay="0"/>
+                                          </p:stCondLst>
+                                        </p:cTn>
+                                        <p:tgtEl>
+                                          <p:spTgt spid="867331"/>
+                                        </p:tgtEl>
+                                        <p:attrNameLst>
+                                          <p:attrName>style.visibility</p:attrName>
+                                        </p:attrNameLst>
+                                      </p:cBhvr>
+                                      <p:to>
+                                        <p:strVal val="visible"/>
+                                      </p:to>
+                                    </p:set>
+                                    <p:animEffect transition="in" filter="fade">
+                                      <p:cBhvr>
+                                        <p:cTn id="7" dur="500"/>
+                                        <p:tgtEl>
+                                          <p:spTgt spid="867331"/>
+                                        </p:tgtEl>
+                                      </p:cBhvr>
+                                    </p:animEffect>
+                                  </p:childTnLst>
+                                </p:cTn>
+                              </p:par>
+                            </p:childTnLst>
+                          </p:cTn>
+                        </p:par>
+                      </p:childTnLst>
+                    </p:cTn>
+                  </p:par>
+                </p:childTnLst>
+              </p:cTn>
+              <p:prevCondLst>
+                <p:cond evt="onPrev" delay="0">
+                  <p:tgtEl>
+                    <p:sldTgt/>
+                  </p:tgtEl>
+                </p:cond>
+              </p:prevCondLst>
+              <p:nextCondLst>
+                <p:cond evt="onNext" delay="0">
+                  <p:tgtEl>
+                    <p:sldTgt/>
+                  </p:tgtEl>
+                </p:cond>
+              </p:nextCondLst>
+            </p:seq>
+          </p:childTnLst>
+        </p:cTn>
+      </p:par>
+    </p:tnLst>
+  </p:timing>
 </p:sld>
 </file>
 
